--- a/documentation/Class time table generator phase 1.pptx
+++ b/documentation/Class time table generator phase 1.pptx
@@ -12541,12 +12541,8 @@
           </a:p>
           <a:p>
             <a:r>
-              <a:rPr lang="en-US"/>
-              <a:t>M Aswartha </a:t>
-            </a:r>
-            <a:r>
               <a:rPr lang="en-US" dirty="0"/>
-              <a:t>Reddy</a:t>
+              <a:t>M Aswartha Reddy</a:t>
             </a:r>
           </a:p>
           <a:p>
@@ -12702,7 +12698,7 @@
           <a:p>
             <a:r>
               <a:rPr lang="en-US" dirty="0"/>
-              <a:t>Workload of teachers are also shown in an easily accessible way.</a:t>
+              <a:t>Workload of teachers are also shown in an easily accessible way</a:t>
             </a:r>
           </a:p>
         </p:txBody>
@@ -13117,49 +13113,24 @@
           <a:p>
             <a:r>
               <a:rPr lang="en-US" sz="4000" dirty="0">
-                <a:hlinkClick r:id="rId5" action="ppaction://hlinksldjump"/>
+                <a:solidFill>
+                  <a:srgbClr val="92D050"/>
+                </a:solidFill>
+                <a:hlinkClick r:id="rId5" action="ppaction://hlinksldjump">
+                  <a:extLst>
+                    <a:ext uri="{A12FA001-AC4F-418D-AE19-62706E023703}">
+                      <ahyp:hlinkClr xmlns:ahyp="http://schemas.microsoft.com/office/drawing/2018/hyperlinkcolor" val="tx"/>
+                    </a:ext>
+                  </a:extLst>
+                </a:hlinkClick>
               </a:rPr>
               <a:t>CHEMISTRY</a:t>
             </a:r>
-            <a:endParaRPr lang="en-US" sz="4000" dirty="0"/>
-          </a:p>
-        </p:txBody>
-      </p:sp>
-      <p:sp>
-        <p:nvSpPr>
-          <p:cNvPr id="12" name="TextBox 11">
-            <a:extLst>
-              <a:ext uri="{FF2B5EF4-FFF2-40B4-BE49-F238E27FC236}">
-                <a16:creationId xmlns:a16="http://schemas.microsoft.com/office/drawing/2014/main" id="{3468ACB5-7538-4E4D-B15C-891235883BB6}"/>
-              </a:ext>
-            </a:extLst>
-          </p:cNvPr>
-          <p:cNvSpPr txBox="1"/>
-          <p:nvPr/>
-        </p:nvSpPr>
-        <p:spPr>
-          <a:xfrm>
-            <a:off x="9034462" y="6211669"/>
-            <a:ext cx="3286125" cy="646331"/>
-          </a:xfrm>
-          <a:prstGeom prst="rect">
-            <a:avLst/>
-          </a:prstGeom>
-          <a:noFill/>
-        </p:spPr>
-        <p:txBody>
-          <a:bodyPr wrap="square" rtlCol="0">
-            <a:spAutoFit/>
-          </a:bodyPr>
-          <a:lstStyle/>
-          <a:p>
-            <a:r>
-              <a:rPr lang="en-US" dirty="0">
-                <a:hlinkClick r:id="rId4" action="ppaction://hlinksldjump"/>
-              </a:rPr>
-              <a:t>CLICK HERE FOR PLAN FOR NEXT PHASES</a:t>
-            </a:r>
-            <a:endParaRPr lang="en-US" dirty="0"/>
+            <a:endParaRPr lang="en-US" sz="4000" dirty="0">
+              <a:solidFill>
+                <a:srgbClr val="92D050"/>
+              </a:solidFill>
+            </a:endParaRPr>
           </a:p>
         </p:txBody>
       </p:sp>
